--- a/architecture/Vorlage_Praesentation_2022_2_2_OOD.pptx
+++ b/architecture/Vorlage_Praesentation_2022_2_2_OOD.pptx
@@ -2726,10 +2726,10 @@
       </p:sp>
       <p:pic>
         <p:nvPicPr>
-          <p:cNvPr id="3" name="Grafik 2">
+          <p:cNvPr id="5" name="Picture 4">
             <a:extLst>
               <a:ext uri="{FF2B5EF4-FFF2-40B4-BE49-F238E27FC236}">
-                <a16:creationId xmlns:a16="http://schemas.microsoft.com/office/drawing/2014/main" id="{475DF3EF-A7AF-B3F0-7067-35A4262E90C6}"/>
+                <a16:creationId xmlns:a16="http://schemas.microsoft.com/office/drawing/2014/main" id="{1C64BEBB-30B0-F4A5-C554-12CA8DD47921}"/>
               </a:ext>
             </a:extLst>
           </p:cNvPr>
@@ -2739,7 +2739,7 @@
           <p:nvPr/>
         </p:nvPicPr>
         <p:blipFill>
-          <a:blip r:embed="rId2">
+          <a:blip r:embed="rId2" cstate="print">
             <a:extLst>
               <a:ext uri="{28A0092B-C50C-407E-A947-70E740481C1C}">
                 <a14:useLocalDpi xmlns:a14="http://schemas.microsoft.com/office/drawing/2010/main" val="0"/>
@@ -2752,8 +2752,8 @@
         </p:blipFill>
         <p:spPr>
           <a:xfrm>
-            <a:off x="1911648" y="1489348"/>
-            <a:ext cx="6417456" cy="3892191"/>
+            <a:off x="1911648" y="1561356"/>
+            <a:ext cx="5976664" cy="3624851"/>
           </a:xfrm>
           <a:prstGeom prst="rect">
             <a:avLst/>

--- a/architecture/Vorlage_Praesentation_2022_2_2_OOD.pptx
+++ b/architecture/Vorlage_Praesentation_2022_2_2_OOD.pptx
@@ -291,7 +291,7 @@
             </a:pPr>
             <a:fld id="{911D8C60-1F2D-4436-BF53-22882F494404}" type="datetimeFigureOut">
               <a:rPr lang="de-DE"/>
-              <a:t>21.01.2023</a:t>
+              <a:t>22.01.2023</a:t>
             </a:fld>
             <a:endParaRPr lang="de-DE"/>
           </a:p>
@@ -1938,7 +1938,7 @@
         </p:nvCxnSpPr>
         <p:spPr bwMode="auto">
           <a:xfrm flipH="1" flipV="1">
-            <a:off x="4878777" y="3708145"/>
+            <a:off x="6462953" y="3348105"/>
             <a:ext cx="597267" cy="661523"/>
           </a:xfrm>
           <a:prstGeom prst="line">
@@ -1978,47 +1978,8 @@
         </p:nvCxnSpPr>
         <p:spPr bwMode="auto">
           <a:xfrm flipV="1">
-            <a:off x="4035884" y="3708145"/>
+            <a:off x="5620060" y="3348105"/>
             <a:ext cx="445858" cy="657246"/>
-          </a:xfrm>
-          <a:prstGeom prst="line">
-            <a:avLst/>
-          </a:prstGeom>
-          <a:ln/>
-        </p:spPr>
-        <p:style>
-          <a:lnRef idx="2">
-            <a:schemeClr val="dk1"/>
-          </a:lnRef>
-          <a:fillRef idx="0">
-            <a:schemeClr val="dk1"/>
-          </a:fillRef>
-          <a:effectRef idx="1">
-            <a:schemeClr val="dk1"/>
-          </a:effectRef>
-          <a:fontRef idx="minor">
-            <a:schemeClr val="tx1"/>
-          </a:fontRef>
-        </p:style>
-      </p:cxnSp>
-      <p:cxnSp>
-        <p:nvCxnSpPr>
-          <p:cNvPr id="28" name="Straight Connector 27">
-            <a:extLst>
-              <a:ext uri="{FF2B5EF4-FFF2-40B4-BE49-F238E27FC236}">
-                <a16:creationId xmlns:a16="http://schemas.microsoft.com/office/drawing/2014/main" id="{967CF1BD-DD89-322E-0884-D94942188E18}"/>
-              </a:ext>
-            </a:extLst>
-          </p:cNvPr>
-          <p:cNvCxnSpPr>
-            <a:cxnSpLocks/>
-          </p:cNvCxnSpPr>
-          <p:nvPr/>
-        </p:nvCxnSpPr>
-        <p:spPr bwMode="auto">
-          <a:xfrm>
-            <a:off x="4914280" y="3170098"/>
-            <a:ext cx="2397968" cy="586"/>
           </a:xfrm>
           <a:prstGeom prst="line">
             <a:avLst/>
@@ -2150,7 +2111,7 @@
         </p:blipFill>
         <p:spPr bwMode="auto">
           <a:xfrm>
-            <a:off x="3999880" y="2713484"/>
+            <a:off x="5584056" y="2353444"/>
             <a:ext cx="1287215" cy="1287215"/>
           </a:xfrm>
           <a:prstGeom prst="rect">
@@ -2168,98 +2129,6 @@
           </a:extLst>
         </p:spPr>
       </p:pic>
-      <p:pic>
-        <p:nvPicPr>
-          <p:cNvPr id="11" name="Picture 4" descr="Server &amp; Workstations günstig kaufen ++ Cyberport">
-            <a:extLst>
-              <a:ext uri="{FF2B5EF4-FFF2-40B4-BE49-F238E27FC236}">
-                <a16:creationId xmlns:a16="http://schemas.microsoft.com/office/drawing/2014/main" id="{C0DFFD4C-B9A7-AD73-3348-AB9CAD537480}"/>
-              </a:ext>
-            </a:extLst>
-          </p:cNvPr>
-          <p:cNvPicPr>
-            <a:picLocks noChangeAspect="1" noChangeArrowheads="1"/>
-          </p:cNvPicPr>
-          <p:nvPr/>
-        </p:nvPicPr>
-        <p:blipFill>
-          <a:blip r:embed="rId4">
-            <a:extLst>
-              <a:ext uri="{BEBA8EAE-BF5A-486C-A8C5-ECC9F3942E4B}">
-                <a14:imgProps xmlns:a14="http://schemas.microsoft.com/office/drawing/2010/main">
-                  <a14:imgLayer r:embed="rId5">
-                    <a14:imgEffect>
-                      <a14:backgroundRemoval t="10000" b="90000" l="10000" r="90000"/>
-                    </a14:imgEffect>
-                  </a14:imgLayer>
-                </a14:imgProps>
-              </a:ext>
-              <a:ext uri="{28A0092B-C50C-407E-A947-70E740481C1C}">
-                <a14:useLocalDpi xmlns:a14="http://schemas.microsoft.com/office/drawing/2010/main" val="0"/>
-              </a:ext>
-            </a:extLst>
-          </a:blip>
-          <a:srcRect/>
-          <a:stretch>
-            <a:fillRect/>
-          </a:stretch>
-        </p:blipFill>
-        <p:spPr bwMode="auto">
-          <a:xfrm>
-            <a:off x="6376144" y="2260785"/>
-            <a:ext cx="2123651" cy="2192611"/>
-          </a:xfrm>
-          <a:prstGeom prst="rect">
-            <a:avLst/>
-          </a:prstGeom>
-          <a:noFill/>
-          <a:extLst>
-            <a:ext uri="{909E8E84-426E-40DD-AFC4-6F175D3DCCD1}">
-              <a14:hiddenFill xmlns:a14="http://schemas.microsoft.com/office/drawing/2010/main">
-                <a:solidFill>
-                  <a:srgbClr val="FFFFFF"/>
-                </a:solidFill>
-              </a14:hiddenFill>
-            </a:ext>
-          </a:extLst>
-        </p:spPr>
-      </p:pic>
-      <p:sp>
-        <p:nvSpPr>
-          <p:cNvPr id="12" name="TextBox 11">
-            <a:extLst>
-              <a:ext uri="{FF2B5EF4-FFF2-40B4-BE49-F238E27FC236}">
-                <a16:creationId xmlns:a16="http://schemas.microsoft.com/office/drawing/2014/main" id="{490762ED-912A-CC6B-9525-6BC5C8B938B7}"/>
-              </a:ext>
-            </a:extLst>
-          </p:cNvPr>
-          <p:cNvSpPr txBox="1"/>
-          <p:nvPr/>
-        </p:nvSpPr>
-        <p:spPr>
-          <a:xfrm>
-            <a:off x="6880200" y="2332797"/>
-            <a:ext cx="1368152" cy="276999"/>
-          </a:xfrm>
-          <a:prstGeom prst="rect">
-            <a:avLst/>
-          </a:prstGeom>
-          <a:noFill/>
-        </p:spPr>
-        <p:txBody>
-          <a:bodyPr wrap="square" rtlCol="0">
-            <a:spAutoFit/>
-          </a:bodyPr>
-          <a:lstStyle/>
-          <a:p>
-            <a:r>
-              <a:rPr lang="de-DE" sz="1200" dirty="0"/>
-              <a:t>Database Server</a:t>
-            </a:r>
-            <a:endParaRPr lang="en-ID" dirty="0"/>
-          </a:p>
-        </p:txBody>
-      </p:sp>
       <p:sp>
         <p:nvSpPr>
           <p:cNvPr id="13" name="TextBox 12">
@@ -2274,7 +2143,7 @@
         </p:nvSpPr>
         <p:spPr>
           <a:xfrm>
-            <a:off x="3954893" y="2344326"/>
+            <a:off x="5539069" y="1984286"/>
             <a:ext cx="1377187" cy="307777"/>
           </a:xfrm>
           <a:prstGeom prst="rect">
@@ -2311,13 +2180,13 @@
           <p:nvPr/>
         </p:nvPicPr>
         <p:blipFill>
-          <a:blip r:embed="rId6">
+          <a:blip r:embed="rId4">
             <a:extLst>
               <a:ext uri="{28A0092B-C50C-407E-A947-70E740481C1C}">
                 <a14:useLocalDpi xmlns:a14="http://schemas.microsoft.com/office/drawing/2010/main" val="0"/>
               </a:ext>
               <a:ext uri="{96DAC541-7B7A-43D3-8B79-37D633B846F1}">
-                <asvg:svgBlip xmlns:asvg="http://schemas.microsoft.com/office/drawing/2016/SVG/main" r:embed="rId7"/>
+                <asvg:svgBlip xmlns:asvg="http://schemas.microsoft.com/office/drawing/2016/SVG/main" r:embed="rId5"/>
               </a:ext>
             </a:extLst>
           </a:blip>
@@ -2327,7 +2196,7 @@
         </p:blipFill>
         <p:spPr>
           <a:xfrm>
-            <a:off x="1335584" y="2713484"/>
+            <a:off x="2919760" y="2353444"/>
             <a:ext cx="914400" cy="914400"/>
           </a:xfrm>
           <a:prstGeom prst="rect">
@@ -2349,7 +2218,7 @@
         </p:nvSpPr>
         <p:spPr>
           <a:xfrm>
-            <a:off x="1479600" y="2263611"/>
+            <a:off x="3063776" y="1903571"/>
             <a:ext cx="1008112" cy="307777"/>
           </a:xfrm>
           <a:prstGeom prst="rect">
@@ -2387,7 +2256,7 @@
         </p:nvCxnSpPr>
         <p:spPr>
           <a:xfrm>
-            <a:off x="2249984" y="3170684"/>
+            <a:off x="3834160" y="2810644"/>
             <a:ext cx="1965920" cy="0"/>
           </a:xfrm>
           <a:prstGeom prst="line">
@@ -2424,7 +2293,7 @@
         </p:nvSpPr>
         <p:spPr>
           <a:xfrm>
-            <a:off x="3639840" y="4365391"/>
+            <a:off x="5224016" y="4005351"/>
             <a:ext cx="792088" cy="307777"/>
           </a:xfrm>
           <a:prstGeom prst="rect">
@@ -2460,7 +2329,7 @@
         </p:nvSpPr>
         <p:spPr>
           <a:xfrm>
-            <a:off x="5007992" y="4369668"/>
+            <a:off x="6592168" y="4009628"/>
             <a:ext cx="936104" cy="307777"/>
           </a:xfrm>
           <a:prstGeom prst="rect">
